--- a/Presentation.pptx
+++ b/Presentation.pptx
@@ -4203,9 +4203,16 @@
             <p:ph type="subTitle" idx="1"/>
           </p:nvPr>
         </p:nvSpPr>
-        <p:spPr/>
-        <p:txBody>
-          <a:bodyPr/>
+        <p:spPr>
+          <a:xfrm>
+            <a:off x="457200" y="3899938"/>
+            <a:ext cx="7643192" cy="1752600"/>
+          </a:xfrm>
+        </p:spPr>
+        <p:txBody>
+          <a:bodyPr>
+            <a:normAutofit fontScale="92500" lnSpcReduction="10000"/>
+          </a:bodyPr>
           <a:lstStyle/>
           <a:p>
             <a:r>
@@ -4228,6 +4235,43 @@
               </a:rPr>
               <a:t>58070502505</a:t>
             </a:r>
+          </a:p>
+          <a:p>
+            <a:endParaRPr lang="en-US" dirty="0">
+              <a:latin typeface="Calibri" pitchFamily="34" charset="0"/>
+              <a:cs typeface="Calibri" pitchFamily="34" charset="0"/>
+            </a:endParaRPr>
+          </a:p>
+          <a:p>
+            <a:r>
+              <a:rPr lang="en-US" dirty="0">
+                <a:latin typeface="Calibri" pitchFamily="34" charset="0"/>
+                <a:cs typeface="Calibri" pitchFamily="34" charset="0"/>
+              </a:rPr>
+              <a:t>Link : </a:t>
+            </a:r>
+            <a:r>
+              <a:rPr lang="en-US" dirty="0">
+                <a:latin typeface="Calibri" pitchFamily="34" charset="0"/>
+                <a:cs typeface="Calibri" pitchFamily="34" charset="0"/>
+                <a:hlinkClick r:id="rId2"/>
+              </a:rPr>
+              <a:t>https://</a:t>
+            </a:r>
+            <a:r>
+              <a:rPr lang="en-US" dirty="0" smtClean="0">
+                <a:latin typeface="Calibri" pitchFamily="34" charset="0"/>
+                <a:cs typeface="Calibri" pitchFamily="34" charset="0"/>
+                <a:hlinkClick r:id="rId2"/>
+              </a:rPr>
+              <a:t>github.com/AumXIV/Classify-Exam-Paper-and-Lecture-Handout-by-use-CNN</a:t>
+            </a:r>
+            <a:endParaRPr lang="en-US" dirty="0" smtClean="0">
+              <a:latin typeface="Calibri" pitchFamily="34" charset="0"/>
+              <a:cs typeface="Calibri" pitchFamily="34" charset="0"/>
+            </a:endParaRPr>
+          </a:p>
+          <a:p>
             <a:endParaRPr lang="en-US" dirty="0">
               <a:latin typeface="Calibri" pitchFamily="34" charset="0"/>
               <a:cs typeface="Calibri" pitchFamily="34" charset="0"/>
@@ -5528,28 +5572,14 @@
                 <a:latin typeface="Cordia New" pitchFamily="34" charset="-34"/>
                 <a:cs typeface="Cordia New" pitchFamily="34" charset="-34"/>
               </a:rPr>
-              <a:t>จึงไม่สามารถแยกแยะได้อย่า</a:t>
-            </a:r>
-            <a:r>
-              <a:rPr lang="th-TH" dirty="0" smtClean="0">
-                <a:latin typeface="Cordia New" pitchFamily="34" charset="-34"/>
-                <a:cs typeface="Cordia New" pitchFamily="34" charset="-34"/>
-              </a:rPr>
-              <a:t>ถูกต้อง</a:t>
+              <a:t>จึงไม่สามารถแยกแยะได้อย่าถูกต้อง</a:t>
             </a:r>
             <a:r>
               <a:rPr lang="en-US" dirty="0" smtClean="0">
                 <a:latin typeface="Cordia New" pitchFamily="34" charset="-34"/>
                 <a:cs typeface="Cordia New" pitchFamily="34" charset="-34"/>
               </a:rPr>
-              <a:t> </a:t>
-            </a:r>
-            <a:r>
-              <a:rPr lang="en-US" dirty="0" smtClean="0">
-                <a:latin typeface="Cordia New" pitchFamily="34" charset="-34"/>
-                <a:cs typeface="Cordia New" pitchFamily="34" charset="-34"/>
-              </a:rPr>
-              <a:t>100%</a:t>
+              <a:t> 100%</a:t>
             </a:r>
             <a:endParaRPr lang="th-TH" dirty="0" smtClean="0">
               <a:latin typeface="Cordia New" pitchFamily="34" charset="-34"/>
